--- a/psc_gr6_sem_prez.pptx
+++ b/psc_gr6_sem_prez.pptx
@@ -132,6 +132,7 @@
 <p1510:revInfo xmlns:a="http://schemas.openxmlformats.org/drawingml/2006/main" xmlns:r="http://schemas.openxmlformats.org/officeDocument/2006/relationships" xmlns:p1510="http://schemas.microsoft.com/office/powerpoint/2015/10/main">
   <p1510:revLst>
     <p1510:client id="{D8221951-B0A6-4AF5-BE6E-35635D92DBCC}" v="3" dt="2025-12-08T13:07:02.060"/>
+    <p1510:client id="{EE784E3D-ECC1-47B1-BFEF-07F2BC2176D7}" v="57" dt="2025-12-08T15:43:50.344"/>
     <p1510:client id="{F17D507B-FA7A-FCA4-9F26-DC8647495363}" v="159" dt="2025-12-08T15:33:03.552"/>
   </p1510:revLst>
 </p1510:revInfo>
@@ -157,6 +158,7 @@
           <inkml:channelProperty channel="OE" name="resolution" value="1000" units="1/deg"/>
         </inkml:channelProperties>
       </inkml:inkSource>
+      <inkml:timestamp xml:id="ts0" timeString="2025-12-08T15:37:36.543"/>
     </inkml:context>
     <inkml:brush xml:id="br0">
       <inkml:brushProperty name="width" value="0.1" units="cm"/>
@@ -1985,7 +1987,7 @@
           </a:prstGeom>
           <a:extLst>
             <a:ext uri="{C572A759-6A51-4108-AA02-DFA0A04FC94B}">
-              <ma14:wrappingTextBoxFlag xmlns="" xmlns:ma14="http://schemas.microsoft.com/office/mac/drawingml/2011/main" val="0"/>
+              <ma14:wrappingTextBoxFlag xmlns:ma14="http://schemas.microsoft.com/office/mac/drawingml/2011/main" xmlns="" val="0"/>
             </a:ext>
           </a:extLst>
         </p:spPr>
@@ -2060,7 +2062,7 @@
           </a:prstGeom>
           <a:extLst>
             <a:ext uri="{C572A759-6A51-4108-AA02-DFA0A04FC94B}">
-              <ma14:wrappingTextBoxFlag xmlns="" xmlns:ma14="http://schemas.microsoft.com/office/mac/drawingml/2011/main" val="0"/>
+              <ma14:wrappingTextBoxFlag xmlns:ma14="http://schemas.microsoft.com/office/mac/drawingml/2011/main" xmlns="" val="0"/>
             </a:ext>
           </a:extLst>
         </p:spPr>
@@ -2552,7 +2554,7 @@
           </a:prstGeom>
           <a:extLst>
             <a:ext uri="{C572A759-6A51-4108-AA02-DFA0A04FC94B}">
-              <ma14:wrappingTextBoxFlag xmlns="" xmlns:ma14="http://schemas.microsoft.com/office/mac/drawingml/2011/main" val="0"/>
+              <ma14:wrappingTextBoxFlag xmlns:ma14="http://schemas.microsoft.com/office/mac/drawingml/2011/main" xmlns="" val="0"/>
             </a:ext>
           </a:extLst>
         </p:spPr>
@@ -2954,7 +2956,7 @@
           </a:prstGeom>
           <a:extLst>
             <a:ext uri="{C572A759-6A51-4108-AA02-DFA0A04FC94B}">
-              <ma14:wrappingTextBoxFlag xmlns="" xmlns:ma14="http://schemas.microsoft.com/office/mac/drawingml/2011/main" val="0"/>
+              <ma14:wrappingTextBoxFlag xmlns:ma14="http://schemas.microsoft.com/office/mac/drawingml/2011/main" xmlns="" val="0"/>
             </a:ext>
           </a:extLst>
         </p:spPr>
@@ -2979,8 +2981,8 @@
           </a:p>
         </p:txBody>
       </p:sp>
-      <mc:AlternateContent xmlns:mc="http://schemas.openxmlformats.org/markup-compatibility/2006">
-        <mc:Choice xmlns:p14="http://schemas.microsoft.com/office/powerpoint/2010/main" Requires="p14">
+      <mc:AlternateContent xmlns:mc="http://schemas.openxmlformats.org/markup-compatibility/2006" xmlns:p14="http://schemas.microsoft.com/office/powerpoint/2010/main">
+        <mc:Choice Requires="p14">
           <p:contentPart p14:bwMode="auto" r:id="rId5">
             <p14:nvContentPartPr>
               <p14:cNvPr id="6" name="Ink 5">
@@ -2999,7 +3001,7 @@
             </p14:xfrm>
           </p:contentPart>
         </mc:Choice>
-        <mc:Fallback>
+        <mc:Fallback xmlns="">
           <p:pic>
             <p:nvPicPr>
               <p:cNvPr id="6" name="Ink 5">
@@ -3783,7 +3785,7 @@
           </a:prstGeom>
           <a:extLst>
             <a:ext uri="{C572A759-6A51-4108-AA02-DFA0A04FC94B}">
-              <ma14:wrappingTextBoxFlag xmlns="" xmlns:ma14="http://schemas.microsoft.com/office/mac/drawingml/2011/main" val="0"/>
+              <ma14:wrappingTextBoxFlag xmlns:ma14="http://schemas.microsoft.com/office/mac/drawingml/2011/main" xmlns="" val="0"/>
             </a:ext>
           </a:extLst>
         </p:spPr>
@@ -4432,7 +4434,7 @@
           </a:prstGeom>
           <a:extLst>
             <a:ext uri="{C572A759-6A51-4108-AA02-DFA0A04FC94B}">
-              <ma14:wrappingTextBoxFlag xmlns="" xmlns:ma14="http://schemas.microsoft.com/office/mac/drawingml/2011/main" val="0"/>
+              <ma14:wrappingTextBoxFlag xmlns:ma14="http://schemas.microsoft.com/office/mac/drawingml/2011/main" xmlns="" val="0"/>
             </a:ext>
           </a:extLst>
         </p:spPr>
@@ -5499,7 +5501,7 @@
           </a:prstGeom>
           <a:extLst>
             <a:ext uri="{C572A759-6A51-4108-AA02-DFA0A04FC94B}">
-              <ma14:wrappingTextBoxFlag xmlns="" xmlns:ma14="http://schemas.microsoft.com/office/mac/drawingml/2011/main" val="0"/>
+              <ma14:wrappingTextBoxFlag xmlns:ma14="http://schemas.microsoft.com/office/mac/drawingml/2011/main" xmlns="" val="0"/>
             </a:ext>
           </a:extLst>
         </p:spPr>
@@ -6125,7 +6127,7 @@
           </a:prstGeom>
           <a:extLst>
             <a:ext uri="{C572A759-6A51-4108-AA02-DFA0A04FC94B}">
-              <ma14:wrappingTextBoxFlag xmlns="" xmlns:ma14="http://schemas.microsoft.com/office/mac/drawingml/2011/main" val="0"/>
+              <ma14:wrappingTextBoxFlag xmlns:ma14="http://schemas.microsoft.com/office/mac/drawingml/2011/main" xmlns="" val="0"/>
             </a:ext>
           </a:extLst>
         </p:spPr>
@@ -6654,7 +6656,7 @@
           </a:prstGeom>
           <a:extLst>
             <a:ext uri="{C572A759-6A51-4108-AA02-DFA0A04FC94B}">
-              <ma14:wrappingTextBoxFlag xmlns="" xmlns:ma14="http://schemas.microsoft.com/office/mac/drawingml/2011/main" val="0"/>
+              <ma14:wrappingTextBoxFlag xmlns:ma14="http://schemas.microsoft.com/office/mac/drawingml/2011/main" xmlns="" val="0"/>
             </a:ext>
           </a:extLst>
         </p:spPr>
@@ -7515,7 +7517,7 @@
           </a:prstGeom>
           <a:extLst>
             <a:ext uri="{C572A759-6A51-4108-AA02-DFA0A04FC94B}">
-              <ma14:wrappingTextBoxFlag xmlns="" xmlns:ma14="http://schemas.microsoft.com/office/mac/drawingml/2011/main" val="0"/>
+              <ma14:wrappingTextBoxFlag xmlns:ma14="http://schemas.microsoft.com/office/mac/drawingml/2011/main" xmlns="" val="0"/>
             </a:ext>
           </a:extLst>
         </p:spPr>
@@ -7751,7 +7753,7 @@
           </a:prstGeom>
           <a:extLst>
             <a:ext uri="{C572A759-6A51-4108-AA02-DFA0A04FC94B}">
-              <ma14:wrappingTextBoxFlag xmlns="" xmlns:ma14="http://schemas.microsoft.com/office/mac/drawingml/2011/main" val="0"/>
+              <ma14:wrappingTextBoxFlag xmlns:ma14="http://schemas.microsoft.com/office/mac/drawingml/2011/main" xmlns="" val="0"/>
             </a:ext>
           </a:extLst>
         </p:spPr>
@@ -8222,7 +8224,7 @@
           </a:prstGeom>
           <a:extLst>
             <a:ext uri="{C572A759-6A51-4108-AA02-DFA0A04FC94B}">
-              <ma14:wrappingTextBoxFlag xmlns="" xmlns:ma14="http://schemas.microsoft.com/office/mac/drawingml/2011/main" val="0"/>
+              <ma14:wrappingTextBoxFlag xmlns:ma14="http://schemas.microsoft.com/office/mac/drawingml/2011/main" xmlns="" val="0"/>
             </a:ext>
           </a:extLst>
         </p:spPr>
@@ -8907,7 +8909,7 @@
           </a:prstGeom>
           <a:extLst>
             <a:ext uri="{C572A759-6A51-4108-AA02-DFA0A04FC94B}">
-              <ma14:wrappingTextBoxFlag xmlns="" xmlns:ma14="http://schemas.microsoft.com/office/mac/drawingml/2011/main" val="0"/>
+              <ma14:wrappingTextBoxFlag xmlns:ma14="http://schemas.microsoft.com/office/mac/drawingml/2011/main" xmlns="" val="0"/>
             </a:ext>
           </a:extLst>
         </p:spPr>
@@ -9483,7 +9485,7 @@
           </a:prstGeom>
           <a:extLst>
             <a:ext uri="{C572A759-6A51-4108-AA02-DFA0A04FC94B}">
-              <ma14:wrappingTextBoxFlag xmlns="" xmlns:ma14="http://schemas.microsoft.com/office/mac/drawingml/2011/main" val="0"/>
+              <ma14:wrappingTextBoxFlag xmlns:ma14="http://schemas.microsoft.com/office/mac/drawingml/2011/main" xmlns="" val="0"/>
             </a:ext>
           </a:extLst>
         </p:spPr>
@@ -9984,7 +9986,7 @@
           </a:prstGeom>
           <a:extLst>
             <a:ext uri="{C572A759-6A51-4108-AA02-DFA0A04FC94B}">
-              <ma14:wrappingTextBoxFlag xmlns="" xmlns:ma14="http://schemas.microsoft.com/office/mac/drawingml/2011/main" val="0"/>
+              <ma14:wrappingTextBoxFlag xmlns:ma14="http://schemas.microsoft.com/office/mac/drawingml/2011/main" xmlns="" val="0"/>
             </a:ext>
           </a:extLst>
         </p:spPr>
@@ -10441,7 +10443,7 @@
           </a:prstGeom>
           <a:extLst>
             <a:ext uri="{C572A759-6A51-4108-AA02-DFA0A04FC94B}">
-              <ma14:wrappingTextBoxFlag xmlns="" xmlns:ma14="http://schemas.microsoft.com/office/mac/drawingml/2011/main" val="0"/>
+              <ma14:wrappingTextBoxFlag xmlns:ma14="http://schemas.microsoft.com/office/mac/drawingml/2011/main" xmlns="" val="0"/>
             </a:ext>
           </a:extLst>
         </p:spPr>
@@ -10920,7 +10922,7 @@
           </a:prstGeom>
           <a:extLst>
             <a:ext uri="{C572A759-6A51-4108-AA02-DFA0A04FC94B}">
-              <ma14:wrappingTextBoxFlag xmlns="" xmlns:ma14="http://schemas.microsoft.com/office/mac/drawingml/2011/main" val="0"/>
+              <ma14:wrappingTextBoxFlag xmlns:ma14="http://schemas.microsoft.com/office/mac/drawingml/2011/main" xmlns="" val="0"/>
             </a:ext>
           </a:extLst>
         </p:spPr>
@@ -10941,6 +10943,380 @@
               <a:rPr lang="en-US" b="0"/>
               <a:t>7</a:t>
             </a:fld>
+            <a:endParaRPr lang="en-US"/>
+          </a:p>
+        </p:txBody>
+      </p:sp>
+      <p:sp>
+        <p:nvSpPr>
+          <p:cNvPr id="12" name="Oval 11">
+            <a:extLst>
+              <a:ext uri="{FF2B5EF4-FFF2-40B4-BE49-F238E27FC236}">
+                <a16:creationId xmlns:a16="http://schemas.microsoft.com/office/drawing/2014/main" id="{CEBECFC1-E176-02F8-F32B-D0454C4F8D40}"/>
+              </a:ext>
+            </a:extLst>
+          </p:cNvPr>
+          <p:cNvSpPr/>
+          <p:nvPr/>
+        </p:nvSpPr>
+        <p:spPr>
+          <a:xfrm>
+            <a:off x="1867889" y="2326820"/>
+            <a:ext cx="5486548" cy="5462649"/>
+          </a:xfrm>
+          <a:custGeom>
+            <a:avLst/>
+            <a:gdLst>
+              <a:gd name="csX0" fmla="*/ 0 w 5486548"/>
+              <a:gd name="csY0" fmla="*/ 2731325 h 5462649"/>
+              <a:gd name="csX1" fmla="*/ 2743274 w 5486548"/>
+              <a:gd name="csY1" fmla="*/ 0 h 5462649"/>
+              <a:gd name="csX2" fmla="*/ 5486548 w 5486548"/>
+              <a:gd name="csY2" fmla="*/ 2731325 h 5462649"/>
+              <a:gd name="csX3" fmla="*/ 2743274 w 5486548"/>
+              <a:gd name="csY3" fmla="*/ 5462650 h 5462649"/>
+              <a:gd name="csX4" fmla="*/ 0 w 5486548"/>
+              <a:gd name="csY4" fmla="*/ 2731325 h 5462649"/>
+            </a:gdLst>
+            <a:ahLst/>
+            <a:cxnLst>
+              <a:cxn ang="0">
+                <a:pos x="csX0" y="csY0"/>
+              </a:cxn>
+              <a:cxn ang="0">
+                <a:pos x="csX1" y="csY1"/>
+              </a:cxn>
+              <a:cxn ang="0">
+                <a:pos x="csX2" y="csY2"/>
+              </a:cxn>
+              <a:cxn ang="0">
+                <a:pos x="csX3" y="csY3"/>
+              </a:cxn>
+              <a:cxn ang="0">
+                <a:pos x="csX4" y="csY4"/>
+              </a:cxn>
+            </a:cxnLst>
+            <a:rect l="l" t="t" r="r" b="b"/>
+            <a:pathLst>
+              <a:path w="5486548" h="5462649" extrusionOk="0">
+                <a:moveTo>
+                  <a:pt x="0" y="2731325"/>
+                </a:moveTo>
+                <a:cubicBezTo>
+                  <a:pt x="-45977" y="1078530"/>
+                  <a:pt x="804295" y="36501"/>
+                  <a:pt x="2743274" y="0"/>
+                </a:cubicBezTo>
+                <a:cubicBezTo>
+                  <a:pt x="4111733" y="204245"/>
+                  <a:pt x="5332977" y="1061434"/>
+                  <a:pt x="5486548" y="2731325"/>
+                </a:cubicBezTo>
+                <a:cubicBezTo>
+                  <a:pt x="5620474" y="4466187"/>
+                  <a:pt x="4290640" y="5471355"/>
+                  <a:pt x="2743274" y="5462650"/>
+                </a:cubicBezTo>
+                <a:cubicBezTo>
+                  <a:pt x="1119665" y="5537987"/>
+                  <a:pt x="-91202" y="4157730"/>
+                  <a:pt x="0" y="2731325"/>
+                </a:cubicBezTo>
+                <a:close/>
+              </a:path>
+            </a:pathLst>
+          </a:custGeom>
+          <a:solidFill>
+            <a:srgbClr val="44A31F">
+              <a:alpha val="24000"/>
+            </a:srgbClr>
+          </a:solidFill>
+          <a:ln w="57150">
+            <a:solidFill>
+              <a:srgbClr val="00B050"/>
+            </a:solidFill>
+            <a:prstDash val="dash"/>
+            <a:extLst>
+              <a:ext uri="{C807C97D-BFC1-408E-A445-0C87EB9F89A2}">
+                <ask:lineSketchStyleProps xmlns:ask="http://schemas.microsoft.com/office/drawing/2018/sketchyshapes" sd="3499211612">
+                  <a:prstGeom prst="ellipse">
+                    <a:avLst/>
+                  </a:prstGeom>
+                  <ask:type>
+                    <ask:lineSketchScribble/>
+                  </ask:type>
+                </ask:lineSketchStyleProps>
+              </a:ext>
+            </a:extLst>
+          </a:ln>
+        </p:spPr>
+        <p:style>
+          <a:lnRef idx="2">
+            <a:schemeClr val="accent2"/>
+          </a:lnRef>
+          <a:fillRef idx="1">
+            <a:schemeClr val="lt1"/>
+          </a:fillRef>
+          <a:effectRef idx="0">
+            <a:schemeClr val="accent2"/>
+          </a:effectRef>
+          <a:fontRef idx="minor">
+            <a:schemeClr val="dk1"/>
+          </a:fontRef>
+        </p:style>
+        <p:txBody>
+          <a:bodyPr rtlCol="0" anchor="ctr"/>
+          <a:lstStyle/>
+          <a:p>
+            <a:pPr algn="ctr"/>
+            <a:endParaRPr lang="en-US"/>
+          </a:p>
+        </p:txBody>
+      </p:sp>
+      <p:sp>
+        <p:nvSpPr>
+          <p:cNvPr id="14" name="Oval 13">
+            <a:extLst>
+              <a:ext uri="{FF2B5EF4-FFF2-40B4-BE49-F238E27FC236}">
+                <a16:creationId xmlns:a16="http://schemas.microsoft.com/office/drawing/2014/main" id="{440332DD-307A-DF5D-BB6A-70DEB8F81345}"/>
+              </a:ext>
+            </a:extLst>
+          </p:cNvPr>
+          <p:cNvSpPr/>
+          <p:nvPr/>
+        </p:nvSpPr>
+        <p:spPr>
+          <a:xfrm>
+            <a:off x="1296389" y="2054677"/>
+            <a:ext cx="5784272" cy="5748399"/>
+          </a:xfrm>
+          <a:custGeom>
+            <a:avLst/>
+            <a:gdLst>
+              <a:gd name="csX0" fmla="*/ 0 w 5784272"/>
+              <a:gd name="csY0" fmla="*/ 2874200 h 5748399"/>
+              <a:gd name="csX1" fmla="*/ 2892136 w 5784272"/>
+              <a:gd name="csY1" fmla="*/ 0 h 5748399"/>
+              <a:gd name="csX2" fmla="*/ 5784272 w 5784272"/>
+              <a:gd name="csY2" fmla="*/ 2874200 h 5748399"/>
+              <a:gd name="csX3" fmla="*/ 2892136 w 5784272"/>
+              <a:gd name="csY3" fmla="*/ 5748400 h 5748399"/>
+              <a:gd name="csX4" fmla="*/ 0 w 5784272"/>
+              <a:gd name="csY4" fmla="*/ 2874200 h 5748399"/>
+            </a:gdLst>
+            <a:ahLst/>
+            <a:cxnLst>
+              <a:cxn ang="0">
+                <a:pos x="csX0" y="csY0"/>
+              </a:cxn>
+              <a:cxn ang="0">
+                <a:pos x="csX1" y="csY1"/>
+              </a:cxn>
+              <a:cxn ang="0">
+                <a:pos x="csX2" y="csY2"/>
+              </a:cxn>
+              <a:cxn ang="0">
+                <a:pos x="csX3" y="csY3"/>
+              </a:cxn>
+              <a:cxn ang="0">
+                <a:pos x="csX4" y="csY4"/>
+              </a:cxn>
+            </a:cxnLst>
+            <a:rect l="l" t="t" r="r" b="b"/>
+            <a:pathLst>
+              <a:path w="5784272" h="5748399" extrusionOk="0">
+                <a:moveTo>
+                  <a:pt x="0" y="2874200"/>
+                </a:moveTo>
+                <a:cubicBezTo>
+                  <a:pt x="-120652" y="908082"/>
+                  <a:pt x="1019899" y="23675"/>
+                  <a:pt x="2892136" y="0"/>
+                </a:cubicBezTo>
+                <a:cubicBezTo>
+                  <a:pt x="4286660" y="282471"/>
+                  <a:pt x="5630615" y="1125310"/>
+                  <a:pt x="5784272" y="2874200"/>
+                </a:cubicBezTo>
+                <a:cubicBezTo>
+                  <a:pt x="5865621" y="4599092"/>
+                  <a:pt x="4623632" y="5784574"/>
+                  <a:pt x="2892136" y="5748400"/>
+                </a:cubicBezTo>
+                <a:cubicBezTo>
+                  <a:pt x="1201398" y="5813266"/>
+                  <a:pt x="-52286" y="4414530"/>
+                  <a:pt x="0" y="2874200"/>
+                </a:cubicBezTo>
+                <a:close/>
+              </a:path>
+            </a:pathLst>
+          </a:custGeom>
+          <a:noFill/>
+          <a:ln w="28575">
+            <a:solidFill>
+              <a:srgbClr val="4472C4">
+                <a:alpha val="26000"/>
+              </a:srgbClr>
+            </a:solidFill>
+            <a:prstDash val="dash"/>
+            <a:extLst>
+              <a:ext uri="{C807C97D-BFC1-408E-A445-0C87EB9F89A2}">
+                <ask:lineSketchStyleProps xmlns:ask="http://schemas.microsoft.com/office/drawing/2018/sketchyshapes" sd="3499211612">
+                  <a:prstGeom prst="ellipse">
+                    <a:avLst/>
+                  </a:prstGeom>
+                  <ask:type>
+                    <ask:lineSketchFreehand/>
+                  </ask:type>
+                </ask:lineSketchStyleProps>
+              </a:ext>
+            </a:extLst>
+          </a:ln>
+        </p:spPr>
+        <p:style>
+          <a:lnRef idx="2">
+            <a:schemeClr val="accent2"/>
+          </a:lnRef>
+          <a:fillRef idx="1">
+            <a:schemeClr val="lt1"/>
+          </a:fillRef>
+          <a:effectRef idx="0">
+            <a:schemeClr val="accent2"/>
+          </a:effectRef>
+          <a:fontRef idx="minor">
+            <a:schemeClr val="dk1"/>
+          </a:fontRef>
+        </p:style>
+        <p:txBody>
+          <a:bodyPr rtlCol="0" anchor="ctr"/>
+          <a:lstStyle/>
+          <a:p>
+            <a:pPr algn="ctr"/>
+            <a:endParaRPr lang="en-US"/>
+          </a:p>
+        </p:txBody>
+      </p:sp>
+      <p:sp>
+        <p:nvSpPr>
+          <p:cNvPr id="15" name="Oval 14">
+            <a:extLst>
+              <a:ext uri="{FF2B5EF4-FFF2-40B4-BE49-F238E27FC236}">
+                <a16:creationId xmlns:a16="http://schemas.microsoft.com/office/drawing/2014/main" id="{434997B5-C765-DC90-EB18-E980971AAE7F}"/>
+              </a:ext>
+            </a:extLst>
+          </p:cNvPr>
+          <p:cNvSpPr/>
+          <p:nvPr/>
+        </p:nvSpPr>
+        <p:spPr>
+          <a:xfrm>
+            <a:off x="1867888" y="2041069"/>
+            <a:ext cx="5784272" cy="5748399"/>
+          </a:xfrm>
+          <a:custGeom>
+            <a:avLst/>
+            <a:gdLst>
+              <a:gd name="csX0" fmla="*/ 0 w 5784272"/>
+              <a:gd name="csY0" fmla="*/ 2874200 h 5748399"/>
+              <a:gd name="csX1" fmla="*/ 2892136 w 5784272"/>
+              <a:gd name="csY1" fmla="*/ 0 h 5748399"/>
+              <a:gd name="csX2" fmla="*/ 5784272 w 5784272"/>
+              <a:gd name="csY2" fmla="*/ 2874200 h 5748399"/>
+              <a:gd name="csX3" fmla="*/ 2892136 w 5784272"/>
+              <a:gd name="csY3" fmla="*/ 5748400 h 5748399"/>
+              <a:gd name="csX4" fmla="*/ 0 w 5784272"/>
+              <a:gd name="csY4" fmla="*/ 2874200 h 5748399"/>
+            </a:gdLst>
+            <a:ahLst/>
+            <a:cxnLst>
+              <a:cxn ang="0">
+                <a:pos x="csX0" y="csY0"/>
+              </a:cxn>
+              <a:cxn ang="0">
+                <a:pos x="csX1" y="csY1"/>
+              </a:cxn>
+              <a:cxn ang="0">
+                <a:pos x="csX2" y="csY2"/>
+              </a:cxn>
+              <a:cxn ang="0">
+                <a:pos x="csX3" y="csY3"/>
+              </a:cxn>
+              <a:cxn ang="0">
+                <a:pos x="csX4" y="csY4"/>
+              </a:cxn>
+            </a:cxnLst>
+            <a:rect l="l" t="t" r="r" b="b"/>
+            <a:pathLst>
+              <a:path w="5784272" h="5748399" extrusionOk="0">
+                <a:moveTo>
+                  <a:pt x="0" y="2874200"/>
+                </a:moveTo>
+                <a:cubicBezTo>
+                  <a:pt x="-80475" y="1034204"/>
+                  <a:pt x="916632" y="32567"/>
+                  <a:pt x="2892136" y="0"/>
+                </a:cubicBezTo>
+                <a:cubicBezTo>
+                  <a:pt x="4363019" y="176091"/>
+                  <a:pt x="5741132" y="1241477"/>
+                  <a:pt x="5784272" y="2874200"/>
+                </a:cubicBezTo>
+                <a:cubicBezTo>
+                  <a:pt x="6023454" y="4865899"/>
+                  <a:pt x="4658627" y="5794005"/>
+                  <a:pt x="2892136" y="5748400"/>
+                </a:cubicBezTo>
+                <a:cubicBezTo>
+                  <a:pt x="1097909" y="5885096"/>
+                  <a:pt x="-167687" y="4310692"/>
+                  <a:pt x="0" y="2874200"/>
+                </a:cubicBezTo>
+                <a:close/>
+              </a:path>
+            </a:pathLst>
+          </a:custGeom>
+          <a:noFill/>
+          <a:ln w="12700">
+            <a:solidFill>
+              <a:srgbClr val="FF0000">
+                <a:alpha val="35000"/>
+              </a:srgbClr>
+            </a:solidFill>
+            <a:prstDash val="sysDot"/>
+            <a:extLst>
+              <a:ext uri="{C807C97D-BFC1-408E-A445-0C87EB9F89A2}">
+                <ask:lineSketchStyleProps xmlns:ask="http://schemas.microsoft.com/office/drawing/2018/sketchyshapes" sd="3499211612">
+                  <a:prstGeom prst="ellipse">
+                    <a:avLst/>
+                  </a:prstGeom>
+                  <ask:type>
+                    <ask:lineSketchScribble/>
+                  </ask:type>
+                </ask:lineSketchStyleProps>
+              </a:ext>
+            </a:extLst>
+          </a:ln>
+        </p:spPr>
+        <p:style>
+          <a:lnRef idx="2">
+            <a:schemeClr val="accent2"/>
+          </a:lnRef>
+          <a:fillRef idx="1">
+            <a:schemeClr val="lt1"/>
+          </a:fillRef>
+          <a:effectRef idx="0">
+            <a:schemeClr val="accent2"/>
+          </a:effectRef>
+          <a:fontRef idx="minor">
+            <a:schemeClr val="dk1"/>
+          </a:fontRef>
+        </p:style>
+        <p:txBody>
+          <a:bodyPr rtlCol="0" anchor="ctr"/>
+          <a:lstStyle/>
+          <a:p>
+            <a:pPr algn="ctr"/>
             <a:endParaRPr lang="en-US"/>
           </a:p>
         </p:txBody>
@@ -11475,7 +11851,7 @@
           </a:prstGeom>
           <a:extLst>
             <a:ext uri="{C572A759-6A51-4108-AA02-DFA0A04FC94B}">
-              <ma14:wrappingTextBoxFlag xmlns="" xmlns:ma14="http://schemas.microsoft.com/office/mac/drawingml/2011/main" val="0"/>
+              <ma14:wrappingTextBoxFlag xmlns:ma14="http://schemas.microsoft.com/office/mac/drawingml/2011/main" xmlns="" val="0"/>
             </a:ext>
           </a:extLst>
         </p:spPr>
@@ -11621,7 +11997,7 @@
           </a:prstGeom>
           <a:extLst>
             <a:ext uri="{C572A759-6A51-4108-AA02-DFA0A04FC94B}">
-              <ma14:wrappingTextBoxFlag xmlns="" xmlns:ma14="http://schemas.microsoft.com/office/mac/drawingml/2011/main" val="0"/>
+              <ma14:wrappingTextBoxFlag xmlns:ma14="http://schemas.microsoft.com/office/mac/drawingml/2011/main" xmlns="" val="0"/>
             </a:ext>
           </a:extLst>
         </p:spPr>
